--- a/OHI-Fig/全健康指数总体排名.pptx
+++ b/OHI-Fig/全健康指数总体排名.pptx
@@ -5,15 +5,16 @@
     <p:sldMasterId id="2147483672" r:id="rId1"/>
   </p:sldMasterIdLst>
   <p:notesMasterIdLst>
-    <p:notesMasterId r:id="rId8"/>
+    <p:notesMasterId r:id="rId9"/>
   </p:notesMasterIdLst>
   <p:sldIdLst>
     <p:sldId id="261" r:id="rId2"/>
     <p:sldId id="264" r:id="rId3"/>
     <p:sldId id="263" r:id="rId4"/>
-    <p:sldId id="262" r:id="rId5"/>
-    <p:sldId id="260" r:id="rId6"/>
-    <p:sldId id="258" r:id="rId7"/>
+    <p:sldId id="265" r:id="rId5"/>
+    <p:sldId id="262" r:id="rId6"/>
+    <p:sldId id="260" r:id="rId7"/>
+    <p:sldId id="258" r:id="rId8"/>
   </p:sldIdLst>
   <p:sldSz cx="6858000" cy="9906000" type="A4"/>
   <p:notesSz cx="6858000" cy="9144000"/>
@@ -205,7 +206,7 @@
           <a:p>
             <a:fld id="{ADC53073-8138-4842-ACF5-5169309AFD87}" type="datetimeFigureOut">
               <a:rPr kumimoji="1" lang="zh-CN" altLang="en-US" smtClean="0"/>
-              <a:t>2022/1/5</a:t>
+              <a:t>2022/1/10</a:t>
             </a:fld>
             <a:endParaRPr kumimoji="1" lang="zh-CN" altLang="en-US"/>
           </a:p>
@@ -537,7 +538,7 @@
           <a:p>
             <a:fld id="{F002E4A4-CEC1-5944-880C-ED72BF0AEDEB}" type="slidenum">
               <a:rPr kumimoji="1" lang="zh-CN" altLang="en-US" smtClean="0"/>
-              <a:t>6</a:t>
+              <a:t>7</a:t>
             </a:fld>
             <a:endParaRPr kumimoji="1" lang="zh-CN" altLang="en-US"/>
           </a:p>
@@ -687,7 +688,7 @@
           <a:p>
             <a:fld id="{87714D0E-D6D2-0146-94F5-037282B5F738}" type="datetimeFigureOut">
               <a:rPr kumimoji="1" lang="zh-CN" altLang="en-US" smtClean="0"/>
-              <a:t>2022/1/5</a:t>
+              <a:t>2022/1/10</a:t>
             </a:fld>
             <a:endParaRPr kumimoji="1" lang="zh-CN" altLang="en-US"/>
           </a:p>
@@ -857,7 +858,7 @@
           <a:p>
             <a:fld id="{87714D0E-D6D2-0146-94F5-037282B5F738}" type="datetimeFigureOut">
               <a:rPr kumimoji="1" lang="zh-CN" altLang="en-US" smtClean="0"/>
-              <a:t>2022/1/5</a:t>
+              <a:t>2022/1/10</a:t>
             </a:fld>
             <a:endParaRPr kumimoji="1" lang="zh-CN" altLang="en-US"/>
           </a:p>
@@ -1037,7 +1038,7 @@
           <a:p>
             <a:fld id="{87714D0E-D6D2-0146-94F5-037282B5F738}" type="datetimeFigureOut">
               <a:rPr kumimoji="1" lang="zh-CN" altLang="en-US" smtClean="0"/>
-              <a:t>2022/1/5</a:t>
+              <a:t>2022/1/10</a:t>
             </a:fld>
             <a:endParaRPr kumimoji="1" lang="zh-CN" altLang="en-US"/>
           </a:p>
@@ -1207,7 +1208,7 @@
           <a:p>
             <a:fld id="{87714D0E-D6D2-0146-94F5-037282B5F738}" type="datetimeFigureOut">
               <a:rPr kumimoji="1" lang="zh-CN" altLang="en-US" smtClean="0"/>
-              <a:t>2022/1/5</a:t>
+              <a:t>2022/1/10</a:t>
             </a:fld>
             <a:endParaRPr kumimoji="1" lang="zh-CN" altLang="en-US"/>
           </a:p>
@@ -1451,7 +1452,7 @@
           <a:p>
             <a:fld id="{87714D0E-D6D2-0146-94F5-037282B5F738}" type="datetimeFigureOut">
               <a:rPr kumimoji="1" lang="zh-CN" altLang="en-US" smtClean="0"/>
-              <a:t>2022/1/5</a:t>
+              <a:t>2022/1/10</a:t>
             </a:fld>
             <a:endParaRPr kumimoji="1" lang="zh-CN" altLang="en-US"/>
           </a:p>
@@ -1683,7 +1684,7 @@
           <a:p>
             <a:fld id="{87714D0E-D6D2-0146-94F5-037282B5F738}" type="datetimeFigureOut">
               <a:rPr kumimoji="1" lang="zh-CN" altLang="en-US" smtClean="0"/>
-              <a:t>2022/1/5</a:t>
+              <a:t>2022/1/10</a:t>
             </a:fld>
             <a:endParaRPr kumimoji="1" lang="zh-CN" altLang="en-US"/>
           </a:p>
@@ -2050,7 +2051,7 @@
           <a:p>
             <a:fld id="{87714D0E-D6D2-0146-94F5-037282B5F738}" type="datetimeFigureOut">
               <a:rPr kumimoji="1" lang="zh-CN" altLang="en-US" smtClean="0"/>
-              <a:t>2022/1/5</a:t>
+              <a:t>2022/1/10</a:t>
             </a:fld>
             <a:endParaRPr kumimoji="1" lang="zh-CN" altLang="en-US"/>
           </a:p>
@@ -2168,7 +2169,7 @@
           <a:p>
             <a:fld id="{87714D0E-D6D2-0146-94F5-037282B5F738}" type="datetimeFigureOut">
               <a:rPr kumimoji="1" lang="zh-CN" altLang="en-US" smtClean="0"/>
-              <a:t>2022/1/5</a:t>
+              <a:t>2022/1/10</a:t>
             </a:fld>
             <a:endParaRPr kumimoji="1" lang="zh-CN" altLang="en-US"/>
           </a:p>
@@ -2263,7 +2264,7 @@
           <a:p>
             <a:fld id="{87714D0E-D6D2-0146-94F5-037282B5F738}" type="datetimeFigureOut">
               <a:rPr kumimoji="1" lang="zh-CN" altLang="en-US" smtClean="0"/>
-              <a:t>2022/1/5</a:t>
+              <a:t>2022/1/10</a:t>
             </a:fld>
             <a:endParaRPr kumimoji="1" lang="zh-CN" altLang="en-US"/>
           </a:p>
@@ -2540,7 +2541,7 @@
           <a:p>
             <a:fld id="{87714D0E-D6D2-0146-94F5-037282B5F738}" type="datetimeFigureOut">
               <a:rPr kumimoji="1" lang="zh-CN" altLang="en-US" smtClean="0"/>
-              <a:t>2022/1/5</a:t>
+              <a:t>2022/1/10</a:t>
             </a:fld>
             <a:endParaRPr kumimoji="1" lang="zh-CN" altLang="en-US"/>
           </a:p>
@@ -2797,7 +2798,7 @@
           <a:p>
             <a:fld id="{87714D0E-D6D2-0146-94F5-037282B5F738}" type="datetimeFigureOut">
               <a:rPr kumimoji="1" lang="zh-CN" altLang="en-US" smtClean="0"/>
-              <a:t>2022/1/5</a:t>
+              <a:t>2022/1/10</a:t>
             </a:fld>
             <a:endParaRPr kumimoji="1" lang="zh-CN" altLang="en-US"/>
           </a:p>
@@ -3010,7 +3011,7 @@
           <a:p>
             <a:fld id="{87714D0E-D6D2-0146-94F5-037282B5F738}" type="datetimeFigureOut">
               <a:rPr kumimoji="1" lang="zh-CN" altLang="en-US" smtClean="0"/>
-              <a:t>2022/1/5</a:t>
+              <a:t>2022/1/10</a:t>
             </a:fld>
             <a:endParaRPr kumimoji="1" lang="zh-CN" altLang="en-US"/>
           </a:p>
@@ -3859,6 +3860,114 @@
       </p:grpSpPr>
       <p:pic>
         <p:nvPicPr>
+          <p:cNvPr id="2" name="图片 1">
+            <a:extLst>
+              <a:ext uri="{FF2B5EF4-FFF2-40B4-BE49-F238E27FC236}">
+                <a16:creationId xmlns:a16="http://schemas.microsoft.com/office/drawing/2014/main" id="{4CE3F69F-517C-E547-92DB-79EF854D3AED}"/>
+              </a:ext>
+            </a:extLst>
+          </p:cNvPr>
+          <p:cNvPicPr>
+            <a:picLocks noChangeAspect="1"/>
+          </p:cNvPicPr>
+          <p:nvPr/>
+        </p:nvPicPr>
+        <p:blipFill>
+          <a:blip r:embed="rId2"/>
+          <a:stretch>
+            <a:fillRect/>
+          </a:stretch>
+        </p:blipFill>
+        <p:spPr>
+          <a:xfrm>
+            <a:off x="0" y="2608763"/>
+            <a:ext cx="6858000" cy="4688473"/>
+          </a:xfrm>
+          <a:prstGeom prst="rect">
+            <a:avLst/>
+          </a:prstGeom>
+        </p:spPr>
+      </p:pic>
+      <p:sp>
+        <p:nvSpPr>
+          <p:cNvPr id="5" name="矩形 4">
+            <a:extLst>
+              <a:ext uri="{FF2B5EF4-FFF2-40B4-BE49-F238E27FC236}">
+                <a16:creationId xmlns:a16="http://schemas.microsoft.com/office/drawing/2014/main" id="{818BE8C1-0DE4-0246-BF78-BB17F164DDDC}"/>
+              </a:ext>
+            </a:extLst>
+          </p:cNvPr>
+          <p:cNvSpPr/>
+          <p:nvPr/>
+        </p:nvSpPr>
+        <p:spPr>
+          <a:xfrm>
+            <a:off x="333935" y="3087907"/>
+            <a:ext cx="3429000" cy="577081"/>
+          </a:xfrm>
+          <a:prstGeom prst="rect">
+            <a:avLst/>
+          </a:prstGeom>
+        </p:spPr>
+        <p:txBody>
+          <a:bodyPr>
+            <a:spAutoFit/>
+          </a:bodyPr>
+          <a:lstStyle/>
+          <a:p>
+            <a:r>
+              <a:rPr lang="zh-CN" altLang="en-US" sz="1050" dirty="0"/>
+              <a:t>total score = 4.73*log(GDP per capita)+5.34</a:t>
+            </a:r>
+            <a:endParaRPr lang="en-US" altLang="zh-CN" sz="1050" dirty="0"/>
+          </a:p>
+          <a:p>
+            <a:r>
+              <a:rPr lang="en" altLang="zh-CN" sz="1050" dirty="0"/>
+              <a:t>Adjusted R-squared:  0.6962</a:t>
+            </a:r>
+          </a:p>
+          <a:p>
+            <a:r>
+              <a:rPr lang="en" altLang="zh-CN" sz="1050" dirty="0"/>
+              <a:t>P-value &lt; 0.001</a:t>
+            </a:r>
+            <a:endParaRPr lang="zh-CN" altLang="en-US" sz="1050" dirty="0"/>
+          </a:p>
+        </p:txBody>
+      </p:sp>
+    </p:spTree>
+    <p:extLst>
+      <p:ext uri="{BB962C8B-B14F-4D97-AF65-F5344CB8AC3E}">
+        <p14:creationId xmlns:p14="http://schemas.microsoft.com/office/powerpoint/2010/main" val="2625325809"/>
+      </p:ext>
+    </p:extLst>
+  </p:cSld>
+  <p:clrMapOvr>
+    <a:masterClrMapping/>
+  </p:clrMapOvr>
+</p:sld>
+</file>
+
+<file path=ppt/slides/slide5.xml><?xml version="1.0" encoding="utf-8"?>
+<p:sld xmlns:a="http://schemas.openxmlformats.org/drawingml/2006/main" xmlns:r="http://schemas.openxmlformats.org/officeDocument/2006/relationships" xmlns:p="http://schemas.openxmlformats.org/presentationml/2006/main">
+  <p:cSld>
+    <p:spTree>
+      <p:nvGrpSpPr>
+        <p:cNvPr id="1" name=""/>
+        <p:cNvGrpSpPr/>
+        <p:nvPr/>
+      </p:nvGrpSpPr>
+      <p:grpSpPr>
+        <a:xfrm>
+          <a:off x="0" y="0"/>
+          <a:ext cx="0" cy="0"/>
+          <a:chOff x="0" y="0"/>
+          <a:chExt cx="0" cy="0"/>
+        </a:xfrm>
+      </p:grpSpPr>
+      <p:pic>
+        <p:nvPicPr>
           <p:cNvPr id="4" name="图片 3">
             <a:extLst>
               <a:ext uri="{FF2B5EF4-FFF2-40B4-BE49-F238E27FC236}">
@@ -4101,7 +4210,7 @@
 </p:sld>
 </file>
 
-<file path=ppt/slides/slide5.xml><?xml version="1.0" encoding="utf-8"?>
+<file path=ppt/slides/slide6.xml><?xml version="1.0" encoding="utf-8"?>
 <p:sld xmlns:a="http://schemas.openxmlformats.org/drawingml/2006/main" xmlns:r="http://schemas.openxmlformats.org/officeDocument/2006/relationships" xmlns:p="http://schemas.openxmlformats.org/presentationml/2006/main">
   <p:cSld>
     <p:spTree>
@@ -4487,7 +4596,7 @@
 </p:sld>
 </file>
 
-<file path=ppt/slides/slide6.xml><?xml version="1.0" encoding="utf-8"?>
+<file path=ppt/slides/slide7.xml><?xml version="1.0" encoding="utf-8"?>
 <p:sld xmlns:a="http://schemas.openxmlformats.org/drawingml/2006/main" xmlns:r="http://schemas.openxmlformats.org/officeDocument/2006/relationships" xmlns:p="http://schemas.openxmlformats.org/presentationml/2006/main">
   <p:cSld>
     <p:spTree>
